--- a/templates/BigDataHackathon4SD_000.pptx
+++ b/templates/BigDataHackathon4SD_000.pptx
@@ -260,7 +260,7 @@
           <a:p>
             <a:fld id="{CF71AF00-A726-3249-A2F2-22EE8D233D22}" type="datetimeFigureOut">
               <a:rPr lang="en-US" smtClean="0"/>
-              <a:t>10/11/2022</a:t>
+              <a:t>9/22/2024</a:t>
             </a:fld>
             <a:endParaRPr lang="en-US"/>
           </a:p>
@@ -458,7 +458,7 @@
           <a:p>
             <a:fld id="{CF71AF00-A726-3249-A2F2-22EE8D233D22}" type="datetimeFigureOut">
               <a:rPr lang="en-US" smtClean="0"/>
-              <a:t>10/11/2022</a:t>
+              <a:t>9/22/2024</a:t>
             </a:fld>
             <a:endParaRPr lang="en-US"/>
           </a:p>
@@ -666,7 +666,7 @@
           <a:p>
             <a:fld id="{CF71AF00-A726-3249-A2F2-22EE8D233D22}" type="datetimeFigureOut">
               <a:rPr lang="en-US" smtClean="0"/>
-              <a:t>10/11/2022</a:t>
+              <a:t>9/22/2024</a:t>
             </a:fld>
             <a:endParaRPr lang="en-US"/>
           </a:p>
@@ -864,7 +864,7 @@
           <a:p>
             <a:fld id="{CF71AF00-A726-3249-A2F2-22EE8D233D22}" type="datetimeFigureOut">
               <a:rPr lang="en-US" smtClean="0"/>
-              <a:t>10/11/2022</a:t>
+              <a:t>9/22/2024</a:t>
             </a:fld>
             <a:endParaRPr lang="en-US"/>
           </a:p>
@@ -1139,7 +1139,7 @@
           <a:p>
             <a:fld id="{CF71AF00-A726-3249-A2F2-22EE8D233D22}" type="datetimeFigureOut">
               <a:rPr lang="en-US" smtClean="0"/>
-              <a:t>10/11/2022</a:t>
+              <a:t>9/22/2024</a:t>
             </a:fld>
             <a:endParaRPr lang="en-US"/>
           </a:p>
@@ -1404,7 +1404,7 @@
           <a:p>
             <a:fld id="{CF71AF00-A726-3249-A2F2-22EE8D233D22}" type="datetimeFigureOut">
               <a:rPr lang="en-US" smtClean="0"/>
-              <a:t>10/11/2022</a:t>
+              <a:t>9/22/2024</a:t>
             </a:fld>
             <a:endParaRPr lang="en-US"/>
           </a:p>
@@ -1816,7 +1816,7 @@
           <a:p>
             <a:fld id="{CF71AF00-A726-3249-A2F2-22EE8D233D22}" type="datetimeFigureOut">
               <a:rPr lang="en-US" smtClean="0"/>
-              <a:t>10/11/2022</a:t>
+              <a:t>9/22/2024</a:t>
             </a:fld>
             <a:endParaRPr lang="en-US"/>
           </a:p>
@@ -1957,7 +1957,7 @@
           <a:p>
             <a:fld id="{CF71AF00-A726-3249-A2F2-22EE8D233D22}" type="datetimeFigureOut">
               <a:rPr lang="en-US" smtClean="0"/>
-              <a:t>10/11/2022</a:t>
+              <a:t>9/22/2024</a:t>
             </a:fld>
             <a:endParaRPr lang="en-US"/>
           </a:p>
@@ -2070,7 +2070,7 @@
           <a:p>
             <a:fld id="{CF71AF00-A726-3249-A2F2-22EE8D233D22}" type="datetimeFigureOut">
               <a:rPr lang="en-US" smtClean="0"/>
-              <a:t>10/11/2022</a:t>
+              <a:t>9/22/2024</a:t>
             </a:fld>
             <a:endParaRPr lang="en-US"/>
           </a:p>
@@ -2381,7 +2381,7 @@
           <a:p>
             <a:fld id="{CF71AF00-A726-3249-A2F2-22EE8D233D22}" type="datetimeFigureOut">
               <a:rPr lang="en-US" smtClean="0"/>
-              <a:t>10/11/2022</a:t>
+              <a:t>9/22/2024</a:t>
             </a:fld>
             <a:endParaRPr lang="en-US"/>
           </a:p>
@@ -2669,7 +2669,7 @@
           <a:p>
             <a:fld id="{CF71AF00-A726-3249-A2F2-22EE8D233D22}" type="datetimeFigureOut">
               <a:rPr lang="en-US" smtClean="0"/>
-              <a:t>10/11/2022</a:t>
+              <a:t>9/22/2024</a:t>
             </a:fld>
             <a:endParaRPr lang="en-US"/>
           </a:p>
@@ -2910,7 +2910,7 @@
           <a:p>
             <a:fld id="{CF71AF00-A726-3249-A2F2-22EE8D233D22}" type="datetimeFigureOut">
               <a:rPr lang="en-US" smtClean="0"/>
-              <a:t>10/11/2022</a:t>
+              <a:t>9/22/2024</a:t>
             </a:fld>
             <a:endParaRPr lang="en-US"/>
           </a:p>
@@ -3354,7 +3354,7 @@
           <a:lstStyle/>
           <a:p>
             <a:r>
-              <a:rPr lang="en-US" dirty="0"/>
+              <a:rPr lang="en-US" b="1" dirty="0"/>
               <a:t>Team Name Here: Name of Idea Here</a:t>
             </a:r>
           </a:p>
@@ -3379,7 +3379,7 @@
         <p:spPr>
           <a:xfrm>
             <a:off x="838200" y="1825625"/>
-            <a:ext cx="6773562" cy="4351338"/>
+            <a:ext cx="8378952" cy="4351338"/>
           </a:xfrm>
         </p:spPr>
         <p:txBody>
@@ -3396,7 +3396,7 @@
           <a:p>
             <a:r>
               <a:rPr lang="en-US" dirty="0"/>
-              <a:t>Describe what the idea is (no more than 2 sentences</a:t>
+              <a:t>Describe what the idea is (no more than 2 sentences)</a:t>
             </a:r>
           </a:p>
           <a:p>
@@ -3446,7 +3446,7 @@
         <p:spPr>
           <a:xfrm>
             <a:off x="10633451" y="0"/>
-            <a:ext cx="1557927" cy="400110"/>
+            <a:ext cx="1586268" cy="400110"/>
           </a:xfrm>
           <a:prstGeom prst="rect">
             <a:avLst/>
@@ -3460,7 +3460,7 @@
           <a:lstStyle/>
           <a:p>
             <a:r>
-              <a:rPr lang="en-US" sz="2000" dirty="0"/>
+              <a:rPr lang="en-US" sz="2000" b="1" dirty="0"/>
               <a:t>Team ID here</a:t>
             </a:r>
           </a:p>
@@ -3568,7 +3568,7 @@
         <p:spPr>
           <a:xfrm>
             <a:off x="10633451" y="0"/>
-            <a:ext cx="1557927" cy="400110"/>
+            <a:ext cx="1586268" cy="400110"/>
           </a:xfrm>
           <a:prstGeom prst="rect">
             <a:avLst/>
@@ -3582,7 +3582,7 @@
           <a:lstStyle/>
           <a:p>
             <a:r>
-              <a:rPr lang="en-US" sz="2000" dirty="0"/>
+              <a:rPr lang="en-US" sz="2000" b="1" dirty="0"/>
               <a:t>Team ID here</a:t>
             </a:r>
           </a:p>
